--- a/ComputerVision/Lecture 01 - Computer Vision and Image Processing/Lecture 01 - Pratice 01 - Solution.pptx
+++ b/ComputerVision/Lecture 01 - Computer Vision and Image Processing/Lecture 01 - Pratice 01 - Solution.pptx
@@ -9047,7 +9047,7 @@
               <a:rPr lang="en-US" sz="1600" b="0" i="0" dirty="0">
                 <a:effectLst/>
               </a:rPr>
-              <a:t>The histogram shows difficult it is to define a threshold.</a:t>
+              <a:t>The histogram shows how difficult it is to define a threshold.</a:t>
             </a:r>
             <a:endParaRPr lang="pt-BR" sz="1600" b="0" strike="noStrike" spc="-1" dirty="0"/>
           </a:p>
@@ -9558,7 +9558,7 @@
               <a:rPr lang="en-US" sz="1600" b="0" i="0" dirty="0">
                 <a:effectLst/>
               </a:rPr>
-              <a:t>The histogram shows difficult it is to define a threshold.</a:t>
+              <a:t>The histogram shows how difficult it is to define a threshold.</a:t>
             </a:r>
             <a:endParaRPr lang="pt-BR" sz="1600" b="0" strike="noStrike" spc="-1" dirty="0"/>
           </a:p>
@@ -10069,7 +10069,7 @@
               <a:rPr lang="en-US" sz="1600" b="0" i="0" dirty="0">
                 <a:effectLst/>
               </a:rPr>
-              <a:t>The histogram shows difficult it is to define a threshold.</a:t>
+              <a:t>The histogram shows how difficult it is to define a threshold.</a:t>
             </a:r>
             <a:endParaRPr lang="pt-BR" sz="1600" b="0" strike="noStrike" spc="-1" dirty="0"/>
           </a:p>
@@ -10547,25 +10547,7 @@
                 </a:solidFill>
                 <a:latin typeface="Latin Modern Sans"/>
               </a:rPr>
-              <a:t> (</a:t>
-            </a:r>
-            <a:r>
-              <a:rPr lang="pt-BR" sz="2800" b="1" spc="-1" dirty="0" err="1">
-                <a:solidFill>
-                  <a:srgbClr val="FFFFFF"/>
-                </a:solidFill>
-                <a:latin typeface="Latin Modern Sans"/>
-              </a:rPr>
-              <a:t>Red</a:t>
-            </a:r>
-            <a:r>
-              <a:rPr lang="pt-BR" sz="2800" b="1" spc="-1" dirty="0">
-                <a:solidFill>
-                  <a:srgbClr val="FFFFFF"/>
-                </a:solidFill>
-                <a:latin typeface="Latin Modern Sans"/>
-              </a:rPr>
-              <a:t> </a:t>
+              <a:t> (Green </a:t>
             </a:r>
             <a:r>
               <a:rPr lang="pt-BR" sz="2800" b="1" spc="-1" dirty="0" err="1">
